--- a/ClassMaterials/Encapsulation/Slides/Part3-ConstellationDesignProblem.pptx
+++ b/ClassMaterials/Encapsulation/Slides/Part3-ConstellationDesignProblem.pptx
@@ -224,7 +224,7 @@
           <a:p>
             <a:fld id="{4F942F4A-6994-3A49-9461-EE810FAF072D}" type="datetimeFigureOut">
               <a:rPr lang="en-US" smtClean="0"/>
-              <a:t>3/23/2023</a:t>
+              <a:t>8/11/2023</a:t>
             </a:fld>
             <a:endParaRPr lang="en-US"/>
           </a:p>
@@ -389,7 +389,7 @@
           <a:p>
             <a:fld id="{11374350-B736-4AC1-A1E7-19777DF1B0E1}" type="datetimeFigureOut">
               <a:rPr lang="en-US" smtClean="0"/>
-              <a:t>3/23/2023</a:t>
+              <a:t>8/11/2023</a:t>
             </a:fld>
             <a:endParaRPr lang="en-US"/>
           </a:p>
@@ -1258,7 +1258,7 @@
           <a:p>
             <a:fld id="{50A519B0-864F-436F-AD10-563B5AD2C023}" type="datetimeFigureOut">
               <a:rPr lang="en-US" smtClean="0"/>
-              <a:t>3/23/2023</a:t>
+              <a:t>8/11/2023</a:t>
             </a:fld>
             <a:endParaRPr lang="en-US"/>
           </a:p>
@@ -1426,7 +1426,7 @@
           <a:p>
             <a:fld id="{50A519B0-864F-436F-AD10-563B5AD2C023}" type="datetimeFigureOut">
               <a:rPr lang="en-US" smtClean="0"/>
-              <a:t>3/23/2023</a:t>
+              <a:t>8/11/2023</a:t>
             </a:fld>
             <a:endParaRPr lang="en-US"/>
           </a:p>
@@ -1604,7 +1604,7 @@
           <a:p>
             <a:fld id="{50A519B0-864F-436F-AD10-563B5AD2C023}" type="datetimeFigureOut">
               <a:rPr lang="en-US" smtClean="0"/>
-              <a:t>3/23/2023</a:t>
+              <a:t>8/11/2023</a:t>
             </a:fld>
             <a:endParaRPr lang="en-US"/>
           </a:p>
@@ -1772,7 +1772,7 @@
           <a:p>
             <a:fld id="{50A519B0-864F-436F-AD10-563B5AD2C023}" type="datetimeFigureOut">
               <a:rPr lang="en-US" smtClean="0"/>
-              <a:t>3/23/2023</a:t>
+              <a:t>8/11/2023</a:t>
             </a:fld>
             <a:endParaRPr lang="en-US"/>
           </a:p>
@@ -2017,7 +2017,7 @@
           <a:p>
             <a:fld id="{50A519B0-864F-436F-AD10-563B5AD2C023}" type="datetimeFigureOut">
               <a:rPr lang="en-US" smtClean="0"/>
-              <a:t>3/23/2023</a:t>
+              <a:t>8/11/2023</a:t>
             </a:fld>
             <a:endParaRPr lang="en-US"/>
           </a:p>
@@ -2302,7 +2302,7 @@
           <a:p>
             <a:fld id="{50A519B0-864F-436F-AD10-563B5AD2C023}" type="datetimeFigureOut">
               <a:rPr lang="en-US" smtClean="0"/>
-              <a:t>3/23/2023</a:t>
+              <a:t>8/11/2023</a:t>
             </a:fld>
             <a:endParaRPr lang="en-US"/>
           </a:p>
@@ -2721,7 +2721,7 @@
           <a:p>
             <a:fld id="{50A519B0-864F-436F-AD10-563B5AD2C023}" type="datetimeFigureOut">
               <a:rPr lang="en-US" smtClean="0"/>
-              <a:t>3/23/2023</a:t>
+              <a:t>8/11/2023</a:t>
             </a:fld>
             <a:endParaRPr lang="en-US"/>
           </a:p>
@@ -2838,7 +2838,7 @@
           <a:p>
             <a:fld id="{50A519B0-864F-436F-AD10-563B5AD2C023}" type="datetimeFigureOut">
               <a:rPr lang="en-US" smtClean="0"/>
-              <a:t>3/23/2023</a:t>
+              <a:t>8/11/2023</a:t>
             </a:fld>
             <a:endParaRPr lang="en-US"/>
           </a:p>
@@ -2933,7 +2933,7 @@
           <a:p>
             <a:fld id="{50A519B0-864F-436F-AD10-563B5AD2C023}" type="datetimeFigureOut">
               <a:rPr lang="en-US" smtClean="0"/>
-              <a:t>3/23/2023</a:t>
+              <a:t>8/11/2023</a:t>
             </a:fld>
             <a:endParaRPr lang="en-US"/>
           </a:p>
@@ -3208,7 +3208,7 @@
           <a:p>
             <a:fld id="{50A519B0-864F-436F-AD10-563B5AD2C023}" type="datetimeFigureOut">
               <a:rPr lang="en-US" smtClean="0"/>
-              <a:t>3/23/2023</a:t>
+              <a:t>8/11/2023</a:t>
             </a:fld>
             <a:endParaRPr lang="en-US"/>
           </a:p>
@@ -3460,7 +3460,7 @@
           <a:p>
             <a:fld id="{50A519B0-864F-436F-AD10-563B5AD2C023}" type="datetimeFigureOut">
               <a:rPr lang="en-US" smtClean="0"/>
-              <a:t>3/23/2023</a:t>
+              <a:t>8/11/2023</a:t>
             </a:fld>
             <a:endParaRPr lang="en-US"/>
           </a:p>
@@ -3671,7 +3671,7 @@
           <a:p>
             <a:fld id="{50A519B0-864F-436F-AD10-563B5AD2C023}" type="datetimeFigureOut">
               <a:rPr lang="en-US" smtClean="0"/>
-              <a:t>3/23/2023</a:t>
+              <a:t>8/11/2023</a:t>
             </a:fld>
             <a:endParaRPr lang="en-US"/>
           </a:p>
@@ -7797,7 +7797,7 @@
             </a:pPr>
             <a:r>
               <a:rPr lang="en-US" sz="2800" dirty="0"/>
-              <a:t>Often times you need to find and extract a new class when things get complex.</a:t>
+              <a:t>Often, you need to find and extract a new class when things get complex.</a:t>
             </a:r>
           </a:p>
           <a:p>
@@ -8657,9 +8657,12 @@
 </file>
 
 <file path=customXml/item1.xml><?xml version="1.0" encoding="utf-8"?>
-<p:properties xmlns:p="http://schemas.microsoft.com/office/2006/metadata/properties" xmlns:xsi="http://www.w3.org/2001/XMLSchema-instance" xmlns:pc="http://schemas.microsoft.com/office/infopath/2007/PartnerControls">
-  <documentManagement/>
-</p:properties>
+<?mso-contentType ?>
+<FormTemplates xmlns="http://schemas.microsoft.com/sharepoint/v3/contenttype/forms">
+  <Display>DocumentLibraryForm</Display>
+  <Edit>DocumentLibraryForm</Edit>
+  <New>DocumentLibraryForm</New>
+</FormTemplates>
 </file>
 
 <file path=customXml/item2.xml><?xml version="1.0" encoding="utf-8"?>
@@ -8833,19 +8836,15 @@
 </file>
 
 <file path=customXml/item3.xml><?xml version="1.0" encoding="utf-8"?>
-<?mso-contentType ?>
-<FormTemplates xmlns="http://schemas.microsoft.com/sharepoint/v3/contenttype/forms">
-  <Display>DocumentLibraryForm</Display>
-  <Edit>DocumentLibraryForm</Edit>
-  <New>DocumentLibraryForm</New>
-</FormTemplates>
+<p:properties xmlns:p="http://schemas.microsoft.com/office/2006/metadata/properties" xmlns:xsi="http://www.w3.org/2001/XMLSchema-instance" xmlns:pc="http://schemas.microsoft.com/office/infopath/2007/PartnerControls">
+  <documentManagement/>
+</p:properties>
 </file>
 
 <file path=customXml/itemProps1.xml><?xml version="1.0" encoding="utf-8"?>
-<ds:datastoreItem xmlns:ds="http://schemas.openxmlformats.org/officeDocument/2006/customXml" ds:itemID="{A396EFD4-1250-457A-AB4B-16A5266B50A5}">
+<ds:datastoreItem xmlns:ds="http://schemas.openxmlformats.org/officeDocument/2006/customXml" ds:itemID="{B83796DB-86E9-4D44-9BCB-A762264A5AFE}">
   <ds:schemaRefs>
-    <ds:schemaRef ds:uri="http://schemas.microsoft.com/office/2006/metadata/properties"/>
-    <ds:schemaRef ds:uri="http://schemas.microsoft.com/office/infopath/2007/PartnerControls"/>
+    <ds:schemaRef ds:uri="http://schemas.microsoft.com/sharepoint/v3/contenttype/forms"/>
   </ds:schemaRefs>
 </ds:datastoreItem>
 </file>
@@ -8869,9 +8868,10 @@
 </file>
 
 <file path=customXml/itemProps3.xml><?xml version="1.0" encoding="utf-8"?>
-<ds:datastoreItem xmlns:ds="http://schemas.openxmlformats.org/officeDocument/2006/customXml" ds:itemID="{B83796DB-86E9-4D44-9BCB-A762264A5AFE}">
+<ds:datastoreItem xmlns:ds="http://schemas.openxmlformats.org/officeDocument/2006/customXml" ds:itemID="{A396EFD4-1250-457A-AB4B-16A5266B50A5}">
   <ds:schemaRefs>
-    <ds:schemaRef ds:uri="http://schemas.microsoft.com/sharepoint/v3/contenttype/forms"/>
+    <ds:schemaRef ds:uri="http://schemas.microsoft.com/office/2006/metadata/properties"/>
+    <ds:schemaRef ds:uri="http://schemas.microsoft.com/office/infopath/2007/PartnerControls"/>
   </ds:schemaRefs>
 </ds:datastoreItem>
 </file>
--- a/ClassMaterials/Encapsulation/Slides/Part3-ConstellationDesignProblem.pptx
+++ b/ClassMaterials/Encapsulation/Slides/Part3-ConstellationDesignProblem.pptx
@@ -224,7 +224,7 @@
           <a:p>
             <a:fld id="{4F942F4A-6994-3A49-9461-EE810FAF072D}" type="datetimeFigureOut">
               <a:rPr lang="en-US" smtClean="0"/>
-              <a:t>8/11/2023</a:t>
+              <a:t>12/10/2023</a:t>
             </a:fld>
             <a:endParaRPr lang="en-US"/>
           </a:p>
@@ -389,7 +389,7 @@
           <a:p>
             <a:fld id="{11374350-B736-4AC1-A1E7-19777DF1B0E1}" type="datetimeFigureOut">
               <a:rPr lang="en-US" smtClean="0"/>
-              <a:t>8/11/2023</a:t>
+              <a:t>12/10/2023</a:t>
             </a:fld>
             <a:endParaRPr lang="en-US"/>
           </a:p>
@@ -1258,7 +1258,7 @@
           <a:p>
             <a:fld id="{50A519B0-864F-436F-AD10-563B5AD2C023}" type="datetimeFigureOut">
               <a:rPr lang="en-US" smtClean="0"/>
-              <a:t>8/11/2023</a:t>
+              <a:t>12/10/2023</a:t>
             </a:fld>
             <a:endParaRPr lang="en-US"/>
           </a:p>
@@ -1426,7 +1426,7 @@
           <a:p>
             <a:fld id="{50A519B0-864F-436F-AD10-563B5AD2C023}" type="datetimeFigureOut">
               <a:rPr lang="en-US" smtClean="0"/>
-              <a:t>8/11/2023</a:t>
+              <a:t>12/10/2023</a:t>
             </a:fld>
             <a:endParaRPr lang="en-US"/>
           </a:p>
@@ -1604,7 +1604,7 @@
           <a:p>
             <a:fld id="{50A519B0-864F-436F-AD10-563B5AD2C023}" type="datetimeFigureOut">
               <a:rPr lang="en-US" smtClean="0"/>
-              <a:t>8/11/2023</a:t>
+              <a:t>12/10/2023</a:t>
             </a:fld>
             <a:endParaRPr lang="en-US"/>
           </a:p>
@@ -1772,7 +1772,7 @@
           <a:p>
             <a:fld id="{50A519B0-864F-436F-AD10-563B5AD2C023}" type="datetimeFigureOut">
               <a:rPr lang="en-US" smtClean="0"/>
-              <a:t>8/11/2023</a:t>
+              <a:t>12/10/2023</a:t>
             </a:fld>
             <a:endParaRPr lang="en-US"/>
           </a:p>
@@ -2017,7 +2017,7 @@
           <a:p>
             <a:fld id="{50A519B0-864F-436F-AD10-563B5AD2C023}" type="datetimeFigureOut">
               <a:rPr lang="en-US" smtClean="0"/>
-              <a:t>8/11/2023</a:t>
+              <a:t>12/10/2023</a:t>
             </a:fld>
             <a:endParaRPr lang="en-US"/>
           </a:p>
@@ -2302,7 +2302,7 @@
           <a:p>
             <a:fld id="{50A519B0-864F-436F-AD10-563B5AD2C023}" type="datetimeFigureOut">
               <a:rPr lang="en-US" smtClean="0"/>
-              <a:t>8/11/2023</a:t>
+              <a:t>12/10/2023</a:t>
             </a:fld>
             <a:endParaRPr lang="en-US"/>
           </a:p>
@@ -2721,7 +2721,7 @@
           <a:p>
             <a:fld id="{50A519B0-864F-436F-AD10-563B5AD2C023}" type="datetimeFigureOut">
               <a:rPr lang="en-US" smtClean="0"/>
-              <a:t>8/11/2023</a:t>
+              <a:t>12/10/2023</a:t>
             </a:fld>
             <a:endParaRPr lang="en-US"/>
           </a:p>
@@ -2838,7 +2838,7 @@
           <a:p>
             <a:fld id="{50A519B0-864F-436F-AD10-563B5AD2C023}" type="datetimeFigureOut">
               <a:rPr lang="en-US" smtClean="0"/>
-              <a:t>8/11/2023</a:t>
+              <a:t>12/10/2023</a:t>
             </a:fld>
             <a:endParaRPr lang="en-US"/>
           </a:p>
@@ -2933,7 +2933,7 @@
           <a:p>
             <a:fld id="{50A519B0-864F-436F-AD10-563B5AD2C023}" type="datetimeFigureOut">
               <a:rPr lang="en-US" smtClean="0"/>
-              <a:t>8/11/2023</a:t>
+              <a:t>12/10/2023</a:t>
             </a:fld>
             <a:endParaRPr lang="en-US"/>
           </a:p>
@@ -3208,7 +3208,7 @@
           <a:p>
             <a:fld id="{50A519B0-864F-436F-AD10-563B5AD2C023}" type="datetimeFigureOut">
               <a:rPr lang="en-US" smtClean="0"/>
-              <a:t>8/11/2023</a:t>
+              <a:t>12/10/2023</a:t>
             </a:fld>
             <a:endParaRPr lang="en-US"/>
           </a:p>
@@ -3460,7 +3460,7 @@
           <a:p>
             <a:fld id="{50A519B0-864F-436F-AD10-563B5AD2C023}" type="datetimeFigureOut">
               <a:rPr lang="en-US" smtClean="0"/>
-              <a:t>8/11/2023</a:t>
+              <a:t>12/10/2023</a:t>
             </a:fld>
             <a:endParaRPr lang="en-US"/>
           </a:p>
@@ -3671,7 +3671,7 @@
           <a:p>
             <a:fld id="{50A519B0-864F-436F-AD10-563B5AD2C023}" type="datetimeFigureOut">
               <a:rPr lang="en-US" smtClean="0"/>
-              <a:t>8/11/2023</a:t>
+              <a:t>12/10/2023</a:t>
             </a:fld>
             <a:endParaRPr lang="en-US"/>
           </a:p>
@@ -8657,12 +8657,9 @@
 </file>
 
 <file path=customXml/item1.xml><?xml version="1.0" encoding="utf-8"?>
-<?mso-contentType ?>
-<FormTemplates xmlns="http://schemas.microsoft.com/sharepoint/v3/contenttype/forms">
-  <Display>DocumentLibraryForm</Display>
-  <Edit>DocumentLibraryForm</Edit>
-  <New>DocumentLibraryForm</New>
-</FormTemplates>
+<p:properties xmlns:p="http://schemas.microsoft.com/office/2006/metadata/properties" xmlns:xsi="http://www.w3.org/2001/XMLSchema-instance" xmlns:pc="http://schemas.microsoft.com/office/infopath/2007/PartnerControls">
+  <documentManagement/>
+</p:properties>
 </file>
 
 <file path=customXml/item2.xml><?xml version="1.0" encoding="utf-8"?>
@@ -8836,15 +8833,19 @@
 </file>
 
 <file path=customXml/item3.xml><?xml version="1.0" encoding="utf-8"?>
-<p:properties xmlns:p="http://schemas.microsoft.com/office/2006/metadata/properties" xmlns:xsi="http://www.w3.org/2001/XMLSchema-instance" xmlns:pc="http://schemas.microsoft.com/office/infopath/2007/PartnerControls">
-  <documentManagement/>
-</p:properties>
+<?mso-contentType ?>
+<FormTemplates xmlns="http://schemas.microsoft.com/sharepoint/v3/contenttype/forms">
+  <Display>DocumentLibraryForm</Display>
+  <Edit>DocumentLibraryForm</Edit>
+  <New>DocumentLibraryForm</New>
+</FormTemplates>
 </file>
 
 <file path=customXml/itemProps1.xml><?xml version="1.0" encoding="utf-8"?>
-<ds:datastoreItem xmlns:ds="http://schemas.openxmlformats.org/officeDocument/2006/customXml" ds:itemID="{B83796DB-86E9-4D44-9BCB-A762264A5AFE}">
+<ds:datastoreItem xmlns:ds="http://schemas.openxmlformats.org/officeDocument/2006/customXml" ds:itemID="{A396EFD4-1250-457A-AB4B-16A5266B50A5}">
   <ds:schemaRefs>
-    <ds:schemaRef ds:uri="http://schemas.microsoft.com/sharepoint/v3/contenttype/forms"/>
+    <ds:schemaRef ds:uri="http://schemas.microsoft.com/office/2006/metadata/properties"/>
+    <ds:schemaRef ds:uri="http://schemas.microsoft.com/office/infopath/2007/PartnerControls"/>
   </ds:schemaRefs>
 </ds:datastoreItem>
 </file>
@@ -8868,10 +8869,9 @@
 </file>
 
 <file path=customXml/itemProps3.xml><?xml version="1.0" encoding="utf-8"?>
-<ds:datastoreItem xmlns:ds="http://schemas.openxmlformats.org/officeDocument/2006/customXml" ds:itemID="{A396EFD4-1250-457A-AB4B-16A5266B50A5}">
+<ds:datastoreItem xmlns:ds="http://schemas.openxmlformats.org/officeDocument/2006/customXml" ds:itemID="{B83796DB-86E9-4D44-9BCB-A762264A5AFE}">
   <ds:schemaRefs>
-    <ds:schemaRef ds:uri="http://schemas.microsoft.com/office/2006/metadata/properties"/>
-    <ds:schemaRef ds:uri="http://schemas.microsoft.com/office/infopath/2007/PartnerControls"/>
+    <ds:schemaRef ds:uri="http://schemas.microsoft.com/sharepoint/v3/contenttype/forms"/>
   </ds:schemaRefs>
 </ds:datastoreItem>
 </file>